--- a/Find Cats.pptx
+++ b/Find Cats.pptx
@@ -5690,7 +5690,14 @@
                             <a:latin typeface="Cambria Math" panose="02040503050406030204" pitchFamily="18" charset="0"/>
                             <a:ea typeface="Cambria Math" panose="02040503050406030204" pitchFamily="18" charset="0"/>
                           </a:rPr>
-                          <m:t>65</m:t>
+                          <m:t>6</m:t>
+                        </m:r>
+                        <m:r>
+                          <a:rPr lang="sv-SE" sz="1100" b="0" i="1" smtClean="0">
+                            <a:latin typeface="Cambria Math" panose="02040503050406030204" pitchFamily="18" charset="0"/>
+                            <a:ea typeface="Cambria Math" panose="02040503050406030204" pitchFamily="18" charset="0"/>
+                          </a:rPr>
+                          <m:t>7</m:t>
                         </m:r>
                       </m:e>
                     </m:d>

--- a/Find Cats.pptx
+++ b/Find Cats.pptx
@@ -5641,7 +5641,21 @@
                         <a:latin typeface="Cambria Math" panose="02040503050406030204" pitchFamily="18" charset="0"/>
                         <a:ea typeface="Cambria Math" panose="02040503050406030204" pitchFamily="18" charset="0"/>
                       </a:rPr>
-                      <m:t>(65)</m:t>
+                      <m:t>(6</m:t>
+                    </m:r>
+                    <m:r>
+                      <a:rPr lang="sv-SE" sz="1100" b="0" i="1" smtClean="0">
+                        <a:latin typeface="Cambria Math" panose="02040503050406030204" pitchFamily="18" charset="0"/>
+                        <a:ea typeface="Cambria Math" panose="02040503050406030204" pitchFamily="18" charset="0"/>
+                      </a:rPr>
+                      <m:t>7</m:t>
+                    </m:r>
+                    <m:r>
+                      <a:rPr lang="sv-SE" sz="1100" i="1">
+                        <a:latin typeface="Cambria Math" panose="02040503050406030204" pitchFamily="18" charset="0"/>
+                        <a:ea typeface="Cambria Math" panose="02040503050406030204" pitchFamily="18" charset="0"/>
+                      </a:rPr>
+                      <m:t>)</m:t>
                     </m:r>
                     <m:r>
                       <a:rPr lang="en-GB" sz="1100" i="1">

--- a/Find Cats.pptx
+++ b/Find Cats.pptx
@@ -104,6 +104,11 @@
       </a:defRPr>
     </a:lvl9pPr>
   </p:defaultTextStyle>
+  <p:extLst>
+    <p:ext uri="{EFAFB233-063F-42B5-8137-9DF3F51BA10A}">
+      <p15:sldGuideLst xmlns:p15="http://schemas.microsoft.com/office/powerpoint/2012/main"/>
+    </p:ext>
+  </p:extLst>
 </p:presentation>
 </file>
 
@@ -238,7 +243,7 @@
           <a:p>
             <a:fld id="{008F3891-2A48-3F48-9FED-62DE2CDC742F}" type="datetimeFigureOut">
               <a:rPr lang="en-GB" smtClean="0"/>
-              <a:t>16/06/2022</a:t>
+              <a:t>21/06/2022</a:t>
             </a:fld>
             <a:endParaRPr lang="en-GB"/>
           </a:p>
@@ -408,7 +413,7 @@
           <a:p>
             <a:fld id="{008F3891-2A48-3F48-9FED-62DE2CDC742F}" type="datetimeFigureOut">
               <a:rPr lang="en-GB" smtClean="0"/>
-              <a:t>16/06/2022</a:t>
+              <a:t>21/06/2022</a:t>
             </a:fld>
             <a:endParaRPr lang="en-GB"/>
           </a:p>
@@ -588,7 +593,7 @@
           <a:p>
             <a:fld id="{008F3891-2A48-3F48-9FED-62DE2CDC742F}" type="datetimeFigureOut">
               <a:rPr lang="en-GB" smtClean="0"/>
-              <a:t>16/06/2022</a:t>
+              <a:t>21/06/2022</a:t>
             </a:fld>
             <a:endParaRPr lang="en-GB"/>
           </a:p>
@@ -758,7 +763,7 @@
           <a:p>
             <a:fld id="{008F3891-2A48-3F48-9FED-62DE2CDC742F}" type="datetimeFigureOut">
               <a:rPr lang="en-GB" smtClean="0"/>
-              <a:t>16/06/2022</a:t>
+              <a:t>21/06/2022</a:t>
             </a:fld>
             <a:endParaRPr lang="en-GB"/>
           </a:p>
@@ -1002,7 +1007,7 @@
           <a:p>
             <a:fld id="{008F3891-2A48-3F48-9FED-62DE2CDC742F}" type="datetimeFigureOut">
               <a:rPr lang="en-GB" smtClean="0"/>
-              <a:t>16/06/2022</a:t>
+              <a:t>21/06/2022</a:t>
             </a:fld>
             <a:endParaRPr lang="en-GB"/>
           </a:p>
@@ -1234,7 +1239,7 @@
           <a:p>
             <a:fld id="{008F3891-2A48-3F48-9FED-62DE2CDC742F}" type="datetimeFigureOut">
               <a:rPr lang="en-GB" smtClean="0"/>
-              <a:t>16/06/2022</a:t>
+              <a:t>21/06/2022</a:t>
             </a:fld>
             <a:endParaRPr lang="en-GB"/>
           </a:p>
@@ -1601,7 +1606,7 @@
           <a:p>
             <a:fld id="{008F3891-2A48-3F48-9FED-62DE2CDC742F}" type="datetimeFigureOut">
               <a:rPr lang="en-GB" smtClean="0"/>
-              <a:t>16/06/2022</a:t>
+              <a:t>21/06/2022</a:t>
             </a:fld>
             <a:endParaRPr lang="en-GB"/>
           </a:p>
@@ -1719,7 +1724,7 @@
           <a:p>
             <a:fld id="{008F3891-2A48-3F48-9FED-62DE2CDC742F}" type="datetimeFigureOut">
               <a:rPr lang="en-GB" smtClean="0"/>
-              <a:t>16/06/2022</a:t>
+              <a:t>21/06/2022</a:t>
             </a:fld>
             <a:endParaRPr lang="en-GB"/>
           </a:p>
@@ -1814,7 +1819,7 @@
           <a:p>
             <a:fld id="{008F3891-2A48-3F48-9FED-62DE2CDC742F}" type="datetimeFigureOut">
               <a:rPr lang="en-GB" smtClean="0"/>
-              <a:t>16/06/2022</a:t>
+              <a:t>21/06/2022</a:t>
             </a:fld>
             <a:endParaRPr lang="en-GB"/>
           </a:p>
@@ -2091,7 +2096,7 @@
           <a:p>
             <a:fld id="{008F3891-2A48-3F48-9FED-62DE2CDC742F}" type="datetimeFigureOut">
               <a:rPr lang="en-GB" smtClean="0"/>
-              <a:t>16/06/2022</a:t>
+              <a:t>21/06/2022</a:t>
             </a:fld>
             <a:endParaRPr lang="en-GB"/>
           </a:p>
@@ -2348,7 +2353,7 @@
           <a:p>
             <a:fld id="{008F3891-2A48-3F48-9FED-62DE2CDC742F}" type="datetimeFigureOut">
               <a:rPr lang="en-GB" smtClean="0"/>
-              <a:t>16/06/2022</a:t>
+              <a:t>21/06/2022</a:t>
             </a:fld>
             <a:endParaRPr lang="en-GB"/>
           </a:p>
@@ -2561,7 +2566,7 @@
           <a:p>
             <a:fld id="{008F3891-2A48-3F48-9FED-62DE2CDC742F}" type="datetimeFigureOut">
               <a:rPr lang="en-GB" smtClean="0"/>
-              <a:t>16/06/2022</a:t>
+              <a:t>21/06/2022</a:t>
             </a:fld>
             <a:endParaRPr lang="en-GB"/>
           </a:p>
@@ -4871,8 +4876,8 @@
           </a:p>
         </p:txBody>
       </p:sp>
-      <mc:AlternateContent xmlns:mc="http://schemas.openxmlformats.org/markup-compatibility/2006">
-        <mc:Choice xmlns:a14="http://schemas.microsoft.com/office/drawing/2010/main" Requires="a14">
+      <mc:AlternateContent xmlns:mc="http://schemas.openxmlformats.org/markup-compatibility/2006" xmlns:a14="http://schemas.microsoft.com/office/drawing/2010/main">
+        <mc:Choice Requires="a14">
           <p:sp>
             <p:nvSpPr>
               <p:cNvPr id="142" name="TextBox 141">
@@ -4943,7 +4948,7 @@
             </p:txBody>
           </p:sp>
         </mc:Choice>
-        <mc:Fallback>
+        <mc:Fallback xmlns="">
           <p:sp>
             <p:nvSpPr>
               <p:cNvPr id="142" name="TextBox 141">
@@ -5384,8 +5389,8 @@
           </a:p>
         </p:txBody>
       </p:sp>
-      <mc:AlternateContent xmlns:mc="http://schemas.openxmlformats.org/markup-compatibility/2006">
-        <mc:Choice xmlns:a14="http://schemas.microsoft.com/office/drawing/2010/main" Requires="a14">
+      <mc:AlternateContent xmlns:mc="http://schemas.openxmlformats.org/markup-compatibility/2006" xmlns:a14="http://schemas.microsoft.com/office/drawing/2010/main">
+        <mc:Choice Requires="a14">
           <p:sp>
             <p:nvSpPr>
               <p:cNvPr id="163" name="TextBox 162">
@@ -5448,6 +5453,7 @@
                 </a:r>
               </a:p>
               <a:p>
+                <a:pPr/>
                 <a14:m>
                   <m:oMathPara xmlns:m="http://schemas.openxmlformats.org/officeDocument/2006/math">
                     <m:oMathParaPr>
@@ -5545,7 +5551,7 @@
             </p:txBody>
           </p:sp>
         </mc:Choice>
-        <mc:Fallback>
+        <mc:Fallback xmlns="">
           <p:sp>
             <p:nvSpPr>
               <p:cNvPr id="163" name="TextBox 162">
@@ -5590,8 +5596,8 @@
           </p:sp>
         </mc:Fallback>
       </mc:AlternateContent>
-      <mc:AlternateContent xmlns:mc="http://schemas.openxmlformats.org/markup-compatibility/2006">
-        <mc:Choice xmlns:a14="http://schemas.microsoft.com/office/drawing/2010/main" Requires="a14">
+      <mc:AlternateContent xmlns:mc="http://schemas.openxmlformats.org/markup-compatibility/2006" xmlns:a14="http://schemas.microsoft.com/office/drawing/2010/main">
+        <mc:Choice Requires="a14">
           <p:sp>
             <p:nvSpPr>
               <p:cNvPr id="165" name="TextBox 164">
@@ -5750,7 +5756,7 @@
             </p:txBody>
           </p:sp>
         </mc:Choice>
-        <mc:Fallback>
+        <mc:Fallback xmlns="">
           <p:sp>
             <p:nvSpPr>
               <p:cNvPr id="165" name="TextBox 164">
@@ -5795,8 +5801,8 @@
           </p:sp>
         </mc:Fallback>
       </mc:AlternateContent>
-      <mc:AlternateContent xmlns:mc="http://schemas.openxmlformats.org/markup-compatibility/2006">
-        <mc:Choice xmlns:a14="http://schemas.microsoft.com/office/drawing/2010/main" Requires="a14">
+      <mc:AlternateContent xmlns:mc="http://schemas.openxmlformats.org/markup-compatibility/2006" xmlns:a14="http://schemas.microsoft.com/office/drawing/2010/main">
+        <mc:Choice Requires="a14">
           <p:sp>
             <p:nvSpPr>
               <p:cNvPr id="167" name="TextBox 166">
@@ -5846,7 +5852,7 @@
             </p:txBody>
           </p:sp>
         </mc:Choice>
-        <mc:Fallback>
+        <mc:Fallback xmlns="">
           <p:sp>
             <p:nvSpPr>
               <p:cNvPr id="167" name="TextBox 166">
@@ -5928,8 +5934,8 @@
           </a:p>
         </p:txBody>
       </p:sp>
-      <mc:AlternateContent xmlns:mc="http://schemas.openxmlformats.org/markup-compatibility/2006">
-        <mc:Choice xmlns:a14="http://schemas.microsoft.com/office/drawing/2010/main" Requires="a14">
+      <mc:AlternateContent xmlns:mc="http://schemas.openxmlformats.org/markup-compatibility/2006" xmlns:a14="http://schemas.microsoft.com/office/drawing/2010/main">
+        <mc:Choice Requires="a14">
           <p:sp>
             <p:nvSpPr>
               <p:cNvPr id="169" name="TextBox 168">
@@ -6001,7 +6007,7 @@
             </p:txBody>
           </p:sp>
         </mc:Choice>
-        <mc:Fallback>
+        <mc:Fallback xmlns="">
           <p:sp>
             <p:nvSpPr>
               <p:cNvPr id="169" name="TextBox 168">
@@ -6244,8 +6250,8 @@
           </a:p>
         </p:txBody>
       </p:sp>
-      <mc:AlternateContent xmlns:mc="http://schemas.openxmlformats.org/markup-compatibility/2006">
-        <mc:Choice xmlns:a14="http://schemas.microsoft.com/office/drawing/2010/main" Requires="a14">
+      <mc:AlternateContent xmlns:mc="http://schemas.openxmlformats.org/markup-compatibility/2006" xmlns:a14="http://schemas.microsoft.com/office/drawing/2010/main">
+        <mc:Choice Requires="a14">
           <p:sp>
             <p:nvSpPr>
               <p:cNvPr id="213" name="TextBox 212">
@@ -6304,7 +6310,7 @@
             </p:txBody>
           </p:sp>
         </mc:Choice>
-        <mc:Fallback>
+        <mc:Fallback xmlns="">
           <p:sp>
             <p:nvSpPr>
               <p:cNvPr id="213" name="TextBox 212">
@@ -6349,8 +6355,8 @@
           </p:sp>
         </mc:Fallback>
       </mc:AlternateContent>
-      <mc:AlternateContent xmlns:mc="http://schemas.openxmlformats.org/markup-compatibility/2006">
-        <mc:Choice xmlns:a14="http://schemas.microsoft.com/office/drawing/2010/main" Requires="a14">
+      <mc:AlternateContent xmlns:mc="http://schemas.openxmlformats.org/markup-compatibility/2006" xmlns:a14="http://schemas.microsoft.com/office/drawing/2010/main">
+        <mc:Choice Requires="a14">
           <p:sp>
             <p:nvSpPr>
               <p:cNvPr id="214" name="TextBox 213">
@@ -6463,7 +6469,7 @@
             </p:txBody>
           </p:sp>
         </mc:Choice>
-        <mc:Fallback>
+        <mc:Fallback xmlns="">
           <p:sp>
             <p:nvSpPr>
               <p:cNvPr id="214" name="TextBox 213">
@@ -6508,8 +6514,8 @@
           </p:sp>
         </mc:Fallback>
       </mc:AlternateContent>
-      <mc:AlternateContent xmlns:mc="http://schemas.openxmlformats.org/markup-compatibility/2006">
-        <mc:Choice xmlns:a14="http://schemas.microsoft.com/office/drawing/2010/main" Requires="a14">
+      <mc:AlternateContent xmlns:mc="http://schemas.openxmlformats.org/markup-compatibility/2006" xmlns:a14="http://schemas.microsoft.com/office/drawing/2010/main">
+        <mc:Choice Requires="a14">
           <p:sp>
             <p:nvSpPr>
               <p:cNvPr id="215" name="TextBox 214">
@@ -6682,7 +6688,7 @@
             </p:txBody>
           </p:sp>
         </mc:Choice>
-        <mc:Fallback>
+        <mc:Fallback xmlns="">
           <p:sp>
             <p:nvSpPr>
               <p:cNvPr id="215" name="TextBox 214">
@@ -6727,8 +6733,8 @@
           </p:sp>
         </mc:Fallback>
       </mc:AlternateContent>
-      <mc:AlternateContent xmlns:mc="http://schemas.openxmlformats.org/markup-compatibility/2006">
-        <mc:Choice xmlns:a14="http://schemas.microsoft.com/office/drawing/2010/main" Requires="a14">
+      <mc:AlternateContent xmlns:mc="http://schemas.openxmlformats.org/markup-compatibility/2006" xmlns:a14="http://schemas.microsoft.com/office/drawing/2010/main">
+        <mc:Choice Requires="a14">
           <p:sp>
             <p:nvSpPr>
               <p:cNvPr id="254" name="TextBox 253">
@@ -6824,7 +6830,7 @@
             </p:txBody>
           </p:sp>
         </mc:Choice>
-        <mc:Fallback>
+        <mc:Fallback xmlns="">
           <p:sp>
             <p:nvSpPr>
               <p:cNvPr id="254" name="TextBox 253">
@@ -6869,8 +6875,8 @@
           </p:sp>
         </mc:Fallback>
       </mc:AlternateContent>
-      <mc:AlternateContent xmlns:mc="http://schemas.openxmlformats.org/markup-compatibility/2006">
-        <mc:Choice xmlns:a14="http://schemas.microsoft.com/office/drawing/2010/main" Requires="a14">
+      <mc:AlternateContent xmlns:mc="http://schemas.openxmlformats.org/markup-compatibility/2006" xmlns:a14="http://schemas.microsoft.com/office/drawing/2010/main">
+        <mc:Choice Requires="a14">
           <p:sp>
             <p:nvSpPr>
               <p:cNvPr id="255" name="TextBox 254">
@@ -7006,7 +7012,7 @@
             </p:txBody>
           </p:sp>
         </mc:Choice>
-        <mc:Fallback>
+        <mc:Fallback xmlns="">
           <p:sp>
             <p:nvSpPr>
               <p:cNvPr id="255" name="TextBox 254">
@@ -7149,42 +7155,6 @@
           </a:p>
         </p:txBody>
       </p:sp>
-      <p:pic>
-        <p:nvPicPr>
-          <p:cNvPr id="328" name="Graphic 327" descr="Cat">
-            <a:extLst>
-              <a:ext uri="{FF2B5EF4-FFF2-40B4-BE49-F238E27FC236}">
-                <a16:creationId xmlns:a16="http://schemas.microsoft.com/office/drawing/2014/main" id="{0F46FCC5-5E57-B6B3-5F9C-87757D590675}"/>
-              </a:ext>
-            </a:extLst>
-          </p:cNvPr>
-          <p:cNvPicPr>
-            <a:picLocks noChangeAspect="1"/>
-          </p:cNvPicPr>
-          <p:nvPr/>
-        </p:nvPicPr>
-        <p:blipFill>
-          <a:blip r:embed="rId2">
-            <a:extLst>
-              <a:ext uri="{96DAC541-7B7A-43D3-8B79-37D633B846F1}">
-                <asvg:svgBlip xmlns:asvg="http://schemas.microsoft.com/office/drawing/2016/SVG/main" r:embed="rId3"/>
-              </a:ext>
-            </a:extLst>
-          </a:blip>
-          <a:stretch>
-            <a:fillRect/>
-          </a:stretch>
-        </p:blipFill>
-        <p:spPr>
-          <a:xfrm>
-            <a:off x="2392925" y="673431"/>
-            <a:ext cx="158784" cy="158784"/>
-          </a:xfrm>
-          <a:prstGeom prst="rect">
-            <a:avLst/>
-          </a:prstGeom>
-        </p:spPr>
-      </p:pic>
       <p:sp>
         <p:nvSpPr>
           <p:cNvPr id="329" name="Rectangle 328">
@@ -7283,42 +7253,6 @@
           </a:p>
         </p:txBody>
       </p:sp>
-      <p:pic>
-        <p:nvPicPr>
-          <p:cNvPr id="332" name="Graphic 331" descr="Cat">
-            <a:extLst>
-              <a:ext uri="{FF2B5EF4-FFF2-40B4-BE49-F238E27FC236}">
-                <a16:creationId xmlns:a16="http://schemas.microsoft.com/office/drawing/2014/main" id="{2B867ECA-CD3D-C506-5051-8260F3533115}"/>
-              </a:ext>
-            </a:extLst>
-          </p:cNvPr>
-          <p:cNvPicPr>
-            <a:picLocks noChangeAspect="1"/>
-          </p:cNvPicPr>
-          <p:nvPr/>
-        </p:nvPicPr>
-        <p:blipFill>
-          <a:blip r:embed="rId2">
-            <a:extLst>
-              <a:ext uri="{96DAC541-7B7A-43D3-8B79-37D633B846F1}">
-                <asvg:svgBlip xmlns:asvg="http://schemas.microsoft.com/office/drawing/2016/SVG/main" r:embed="rId3"/>
-              </a:ext>
-            </a:extLst>
-          </a:blip>
-          <a:stretch>
-            <a:fillRect/>
-          </a:stretch>
-        </p:blipFill>
-        <p:spPr>
-          <a:xfrm>
-            <a:off x="465261" y="694194"/>
-            <a:ext cx="158784" cy="158784"/>
-          </a:xfrm>
-          <a:prstGeom prst="rect">
-            <a:avLst/>
-          </a:prstGeom>
-        </p:spPr>
-      </p:pic>
       <p:sp>
         <p:nvSpPr>
           <p:cNvPr id="333" name="Rectangle 332">
@@ -7417,42 +7351,6 @@
           </a:p>
         </p:txBody>
       </p:sp>
-      <p:pic>
-        <p:nvPicPr>
-          <p:cNvPr id="335" name="Graphic 334" descr="Cat">
-            <a:extLst>
-              <a:ext uri="{FF2B5EF4-FFF2-40B4-BE49-F238E27FC236}">
-                <a16:creationId xmlns:a16="http://schemas.microsoft.com/office/drawing/2014/main" id="{8A9A97FB-3964-F005-846C-BE8461A73404}"/>
-              </a:ext>
-            </a:extLst>
-          </p:cNvPr>
-          <p:cNvPicPr>
-            <a:picLocks noChangeAspect="1"/>
-          </p:cNvPicPr>
-          <p:nvPr/>
-        </p:nvPicPr>
-        <p:blipFill>
-          <a:blip r:embed="rId2">
-            <a:extLst>
-              <a:ext uri="{96DAC541-7B7A-43D3-8B79-37D633B846F1}">
-                <asvg:svgBlip xmlns:asvg="http://schemas.microsoft.com/office/drawing/2016/SVG/main" r:embed="rId3"/>
-              </a:ext>
-            </a:extLst>
-          </a:blip>
-          <a:stretch>
-            <a:fillRect/>
-          </a:stretch>
-        </p:blipFill>
-        <p:spPr>
-          <a:xfrm>
-            <a:off x="1709511" y="633428"/>
-            <a:ext cx="158784" cy="158784"/>
-          </a:xfrm>
-          <a:prstGeom prst="rect">
-            <a:avLst/>
-          </a:prstGeom>
-        </p:spPr>
-      </p:pic>
       <p:sp>
         <p:nvSpPr>
           <p:cNvPr id="336" name="Rectangle 335">
@@ -7551,42 +7449,6 @@
           </a:p>
         </p:txBody>
       </p:sp>
-      <p:pic>
-        <p:nvPicPr>
-          <p:cNvPr id="339" name="Graphic 338" descr="Cat">
-            <a:extLst>
-              <a:ext uri="{FF2B5EF4-FFF2-40B4-BE49-F238E27FC236}">
-                <a16:creationId xmlns:a16="http://schemas.microsoft.com/office/drawing/2014/main" id="{A63D3F7C-57F3-FF77-C5B1-7A29670E56EA}"/>
-              </a:ext>
-            </a:extLst>
-          </p:cNvPr>
-          <p:cNvPicPr>
-            <a:picLocks noChangeAspect="1"/>
-          </p:cNvPicPr>
-          <p:nvPr/>
-        </p:nvPicPr>
-        <p:blipFill>
-          <a:blip r:embed="rId2">
-            <a:extLst>
-              <a:ext uri="{96DAC541-7B7A-43D3-8B79-37D633B846F1}">
-                <asvg:svgBlip xmlns:asvg="http://schemas.microsoft.com/office/drawing/2016/SVG/main" r:embed="rId3"/>
-              </a:ext>
-            </a:extLst>
-          </a:blip>
-          <a:stretch>
-            <a:fillRect/>
-          </a:stretch>
-        </p:blipFill>
-        <p:spPr>
-          <a:xfrm>
-            <a:off x="1114623" y="690489"/>
-            <a:ext cx="158784" cy="158784"/>
-          </a:xfrm>
-          <a:prstGeom prst="rect">
-            <a:avLst/>
-          </a:prstGeom>
-        </p:spPr>
-      </p:pic>
       <p:sp>
         <p:nvSpPr>
           <p:cNvPr id="347" name="TextBox 346">
@@ -7922,243 +7784,6 @@
                   <a:latin typeface="Helvetica" pitchFamily="2" charset="0"/>
                 </a:rPr>
                 <a:t>68</a:t>
-              </a:r>
-            </a:p>
-          </p:txBody>
-        </p:sp>
-      </p:grpSp>
-      <p:grpSp>
-        <p:nvGrpSpPr>
-          <p:cNvPr id="1052" name="Group 1051">
-            <a:extLst>
-              <a:ext uri="{FF2B5EF4-FFF2-40B4-BE49-F238E27FC236}">
-                <a16:creationId xmlns:a16="http://schemas.microsoft.com/office/drawing/2014/main" id="{8E8C16FC-1255-0561-ED08-5770A1913BF5}"/>
-              </a:ext>
-            </a:extLst>
-          </p:cNvPr>
-          <p:cNvGrpSpPr/>
-          <p:nvPr/>
-        </p:nvGrpSpPr>
-        <p:grpSpPr>
-          <a:xfrm>
-            <a:off x="972860" y="907888"/>
-            <a:ext cx="728492" cy="456746"/>
-            <a:chOff x="1030951" y="608029"/>
-            <a:chExt cx="728492" cy="456746"/>
-          </a:xfrm>
-        </p:grpSpPr>
-        <p:sp>
-          <p:nvSpPr>
-            <p:cNvPr id="324" name="AutoShape 2" descr="World's best Go player flummoxed by Google's 'godlike' AlphaGo AI | Artificial  intelligence (AI) | The Guardian">
-              <a:extLst>
-                <a:ext uri="{FF2B5EF4-FFF2-40B4-BE49-F238E27FC236}">
-                  <a16:creationId xmlns:a16="http://schemas.microsoft.com/office/drawing/2014/main" id="{B53AE4D7-0F88-BBC0-B4C5-7A9C63AEE51B}"/>
-                </a:ext>
-              </a:extLst>
-            </p:cNvPr>
-            <p:cNvSpPr>
-              <a:spLocks noChangeAspect="1" noChangeArrowheads="1"/>
-            </p:cNvSpPr>
-            <p:nvPr/>
-          </p:nvSpPr>
-          <p:spPr bwMode="auto">
-            <a:xfrm>
-              <a:off x="1666953" y="888261"/>
-              <a:ext cx="64697" cy="64697"/>
-            </a:xfrm>
-            <a:prstGeom prst="rect">
-              <a:avLst/>
-            </a:prstGeom>
-            <a:noFill/>
-            <a:extLst>
-              <a:ext uri="{909E8E84-426E-40DD-AFC4-6F175D3DCCD1}">
-                <a14:hiddenFill xmlns:a14="http://schemas.microsoft.com/office/drawing/2010/main">
-                  <a:solidFill>
-                    <a:srgbClr val="FFFFFF"/>
-                  </a:solidFill>
-                </a14:hiddenFill>
-              </a:ext>
-            </a:extLst>
-          </p:spPr>
-          <p:txBody>
-            <a:bodyPr vert="horz" wrap="square" lIns="37802" tIns="18901" rIns="37802" bIns="18901" numCol="1" anchor="t" anchorCtr="0" compatLnSpc="1">
-              <a:prstTxWarp prst="textNoShape">
-                <a:avLst/>
-              </a:prstTxWarp>
-            </a:bodyPr>
-            <a:lstStyle/>
-            <a:p>
-              <a:endParaRPr lang="en-GB" sz="1100"/>
-            </a:p>
-          </p:txBody>
-        </p:sp>
-        <p:sp>
-          <p:nvSpPr>
-            <p:cNvPr id="344" name="Rectangle 343">
-              <a:extLst>
-                <a:ext uri="{FF2B5EF4-FFF2-40B4-BE49-F238E27FC236}">
-                  <a16:creationId xmlns:a16="http://schemas.microsoft.com/office/drawing/2014/main" id="{5251BFDA-832F-CF37-6319-09F300D1B6D7}"/>
-                </a:ext>
-              </a:extLst>
-            </p:cNvPr>
-            <p:cNvSpPr/>
-            <p:nvPr/>
-          </p:nvSpPr>
-          <p:spPr>
-            <a:xfrm>
-              <a:off x="1030951" y="660231"/>
-              <a:ext cx="654626" cy="382633"/>
-            </a:xfrm>
-            <a:prstGeom prst="rect">
-              <a:avLst/>
-            </a:prstGeom>
-          </p:spPr>
-          <p:style>
-            <a:lnRef idx="2">
-              <a:schemeClr val="accent1">
-                <a:shade val="50000"/>
-              </a:schemeClr>
-            </a:lnRef>
-            <a:fillRef idx="1">
-              <a:schemeClr val="accent1"/>
-            </a:fillRef>
-            <a:effectRef idx="0">
-              <a:schemeClr val="accent1"/>
-            </a:effectRef>
-            <a:fontRef idx="minor">
-              <a:schemeClr val="lt1"/>
-            </a:fontRef>
-          </p:style>
-          <p:txBody>
-            <a:bodyPr rtlCol="0" anchor="ctr"/>
-            <a:lstStyle/>
-            <a:p>
-              <a:pPr algn="ctr"/>
-              <a:endParaRPr lang="en-GB" sz="1100" dirty="0"/>
-            </a:p>
-          </p:txBody>
-        </p:sp>
-        <p:sp>
-          <p:nvSpPr>
-            <p:cNvPr id="345" name="Rectangle 344">
-              <a:extLst>
-                <a:ext uri="{FF2B5EF4-FFF2-40B4-BE49-F238E27FC236}">
-                  <a16:creationId xmlns:a16="http://schemas.microsoft.com/office/drawing/2014/main" id="{DFB0C5FC-D497-E49A-E9E5-61631D217CCA}"/>
-                </a:ext>
-              </a:extLst>
-            </p:cNvPr>
-            <p:cNvSpPr/>
-            <p:nvPr/>
-          </p:nvSpPr>
-          <p:spPr>
-            <a:xfrm>
-              <a:off x="1030951" y="927732"/>
-              <a:ext cx="654626" cy="124471"/>
-            </a:xfrm>
-            <a:prstGeom prst="rect">
-              <a:avLst/>
-            </a:prstGeom>
-            <a:solidFill>
-              <a:schemeClr val="accent6"/>
-            </a:solidFill>
-            <a:ln>
-              <a:noFill/>
-            </a:ln>
-          </p:spPr>
-          <p:style>
-            <a:lnRef idx="2">
-              <a:schemeClr val="accent1">
-                <a:shade val="50000"/>
-              </a:schemeClr>
-            </a:lnRef>
-            <a:fillRef idx="1">
-              <a:schemeClr val="accent1"/>
-            </a:fillRef>
-            <a:effectRef idx="0">
-              <a:schemeClr val="accent1"/>
-            </a:effectRef>
-            <a:fontRef idx="minor">
-              <a:schemeClr val="lt1"/>
-            </a:fontRef>
-          </p:style>
-          <p:txBody>
-            <a:bodyPr rtlCol="0" anchor="ctr"/>
-            <a:lstStyle/>
-            <a:p>
-              <a:pPr algn="ctr"/>
-              <a:endParaRPr lang="en-GB" sz="1100" dirty="0"/>
-            </a:p>
-          </p:txBody>
-        </p:sp>
-        <p:pic>
-          <p:nvPicPr>
-            <p:cNvPr id="346" name="Graphic 345" descr="Cat">
-              <a:extLst>
-                <a:ext uri="{FF2B5EF4-FFF2-40B4-BE49-F238E27FC236}">
-                  <a16:creationId xmlns:a16="http://schemas.microsoft.com/office/drawing/2014/main" id="{C073F50A-8470-76E1-3C21-AADAA2105D38}"/>
-                </a:ext>
-              </a:extLst>
-            </p:cNvPr>
-            <p:cNvPicPr>
-              <a:picLocks noChangeAspect="1"/>
-            </p:cNvPicPr>
-            <p:nvPr/>
-          </p:nvPicPr>
-          <p:blipFill>
-            <a:blip r:embed="rId2">
-              <a:extLst>
-                <a:ext uri="{96DAC541-7B7A-43D3-8B79-37D633B846F1}">
-                  <asvg:svgBlip xmlns:asvg="http://schemas.microsoft.com/office/drawing/2016/SVG/main" r:embed="rId3"/>
-                </a:ext>
-              </a:extLst>
-            </a:blip>
-            <a:stretch>
-              <a:fillRect/>
-            </a:stretch>
-          </p:blipFill>
-          <p:spPr>
-            <a:xfrm>
-              <a:off x="1257468" y="905991"/>
-              <a:ext cx="158784" cy="158784"/>
-            </a:xfrm>
-            <a:prstGeom prst="rect">
-              <a:avLst/>
-            </a:prstGeom>
-          </p:spPr>
-        </p:pic>
-        <p:sp>
-          <p:nvSpPr>
-            <p:cNvPr id="352" name="TextBox 351">
-              <a:extLst>
-                <a:ext uri="{FF2B5EF4-FFF2-40B4-BE49-F238E27FC236}">
-                  <a16:creationId xmlns:a16="http://schemas.microsoft.com/office/drawing/2014/main" id="{D86750DD-8ADC-F3F5-612D-77AB99FC6805}"/>
-                </a:ext>
-              </a:extLst>
-            </p:cNvPr>
-            <p:cNvSpPr txBox="1"/>
-            <p:nvPr/>
-          </p:nvSpPr>
-          <p:spPr>
-            <a:xfrm>
-              <a:off x="1417683" y="608029"/>
-              <a:ext cx="341760" cy="261610"/>
-            </a:xfrm>
-            <a:prstGeom prst="rect">
-              <a:avLst/>
-            </a:prstGeom>
-            <a:noFill/>
-          </p:spPr>
-          <p:txBody>
-            <a:bodyPr wrap="none" rtlCol="0">
-              <a:spAutoFit/>
-            </a:bodyPr>
-            <a:lstStyle/>
-            <a:p>
-              <a:r>
-                <a:rPr lang="en-GB" sz="1100" dirty="0">
-                  <a:latin typeface="Helvetica" pitchFamily="2" charset="0"/>
-                </a:rPr>
-                <a:t>66</a:t>
               </a:r>
             </a:p>
           </p:txBody>
